--- a/PLPTH813Bioinformatis/2023/labs/lab03_R.pptx
+++ b/PLPTH813Bioinformatis/2023/labs/lab03_R.pptx
@@ -1064,7 +1064,10 @@
           <a:bodyPr/>
           <a:lstStyle/>
           <a:p>
-            <a:endParaRPr lang="en-US"/>
+            <a:r>
+              <a:rPr lang="en-US" dirty="0"/>
+              <a:t>Decimal and Hexadecimal</a:t>
+            </a:r>
           </a:p>
         </p:txBody>
       </p:sp>
@@ -10308,7 +10311,7 @@
             </a:pPr>
             <a:r>
               <a:rPr lang="en-US" dirty="0"/>
-              <a:t>three rows (entries): members in the breakout room and you</a:t>
+              <a:t>three rows (entries): your neighbors and yourself</a:t>
             </a:r>
           </a:p>
           <a:p>
@@ -10445,8 +10448,8 @@
         </p:nvSpPr>
         <p:spPr>
           <a:xfrm>
-            <a:off x="698500" y="1594714"/>
-            <a:ext cx="7734300" cy="2748686"/>
+            <a:off x="698500" y="1594713"/>
+            <a:ext cx="7734300" cy="3809493"/>
           </a:xfrm>
         </p:spPr>
         <p:txBody>
@@ -10464,7 +10467,15 @@
             </a:r>
             <a:r>
               <a:rPr lang="en-US" dirty="0"/>
-              <a:t>('ggplot2')</a:t>
+              <a:t>("</a:t>
+            </a:r>
+            <a:r>
+              <a:rPr lang="en-US" dirty="0" err="1"/>
+              <a:t>tidyverse</a:t>
+            </a:r>
+            <a:r>
+              <a:rPr lang="en-US" dirty="0"/>
+              <a:t>")</a:t>
             </a:r>
           </a:p>
           <a:p>
@@ -10486,7 +10497,29 @@
             </a:r>
             <a:r>
               <a:rPr lang="en-US" dirty="0"/>
-              <a:t>('ggplot2', repos='</a:t>
+              <a:t>("ggplot2")</a:t>
+            </a:r>
+          </a:p>
+          <a:p>
+            <a:pPr marL="0" indent="0">
+              <a:buNone/>
+            </a:pPr>
+            <a:r>
+              <a:rPr lang="en-US" dirty="0"/>
+              <a:t>or</a:t>
+            </a:r>
+          </a:p>
+          <a:p>
+            <a:pPr marL="0" indent="0">
+              <a:buNone/>
+            </a:pPr>
+            <a:r>
+              <a:rPr lang="en-US" dirty="0" err="1"/>
+              <a:t>install.packages</a:t>
+            </a:r>
+            <a:r>
+              <a:rPr lang="en-US" dirty="0"/>
+              <a:t>("ggplot2", repos='</a:t>
             </a:r>
             <a:r>
               <a:rPr lang="en-US" dirty="0">
@@ -10520,7 +10553,7 @@
             </a:pPr>
             <a:r>
               <a:rPr lang="en-US" dirty="0"/>
-              <a:t>library('ggplot2')</a:t>
+              <a:t>library("ggplot2")</a:t>
             </a:r>
           </a:p>
         </p:txBody>
@@ -13662,7 +13695,7 @@
           <a:p>
             <a:r>
               <a:rPr lang="en-US" dirty="0"/>
-              <a:t>Problem</a:t>
+              <a:t>Problem (work as a small group)</a:t>
             </a:r>
           </a:p>
         </p:txBody>
@@ -14024,27 +14057,27 @@
               <a:t> &lt;- "</a:t>
             </a:r>
             <a:r>
-              <a:rPr lang="it-IT" sz="1000" dirty="0"/>
+              <a:rPr lang="it-IT" sz="1100" dirty="0"/>
               <a:t>https://</a:t>
             </a:r>
             <a:r>
-              <a:rPr lang="it-IT" sz="1000" dirty="0" err="1"/>
+              <a:rPr lang="it-IT" sz="1100" dirty="0" err="1"/>
               <a:t>raw.githubusercontent.com</a:t>
             </a:r>
             <a:r>
-              <a:rPr lang="it-IT" sz="1000" dirty="0"/>
+              <a:rPr lang="it-IT" sz="1100" dirty="0"/>
               <a:t>/liu3zhenlab/</a:t>
             </a:r>
             <a:r>
-              <a:rPr lang="it-IT" sz="1000" dirty="0" err="1"/>
+              <a:rPr lang="it-IT" sz="1100" dirty="0" err="1"/>
               <a:t>teaching</a:t>
             </a:r>
             <a:r>
-              <a:rPr lang="it-IT" sz="1000" dirty="0"/>
+              <a:rPr lang="it-IT" sz="1100" dirty="0"/>
               <a:t>/master/PLPTH813Bioinformatis/2023/data/</a:t>
             </a:r>
             <a:r>
-              <a:rPr lang="it-IT" sz="1000" dirty="0" err="1"/>
+              <a:rPr lang="it-IT" sz="1100" dirty="0" err="1"/>
               <a:t>quality.txt</a:t>
             </a:r>
             <a:r>

--- a/PLPTH813Bioinformatis/2023/labs/lab03_R.pptx
+++ b/PLPTH813Bioinformatis/2023/labs/lab03_R.pptx
@@ -249,7 +249,7 @@
           <a:p>
             <a:fld id="{5EE6BB87-626E-9C4B-A7F4-9EF6478BD5F6}" type="datetimeFigureOut">
               <a:rPr lang="en-US" smtClean="0"/>
-              <a:t>2/1/23</a:t>
+              <a:t>2/9/23</a:t>
             </a:fld>
             <a:endParaRPr lang="en-US"/>
           </a:p>
@@ -3306,7 +3306,7 @@
           <a:p>
             <a:fld id="{254119E5-AD51-7E46-9344-E8B3BB37F139}" type="datetime1">
               <a:rPr lang="en-US" smtClean="0"/>
-              <a:t>2/1/23</a:t>
+              <a:t>2/9/23</a:t>
             </a:fld>
             <a:endParaRPr lang="en-US"/>
           </a:p>
@@ -3474,7 +3474,7 @@
           <a:p>
             <a:fld id="{CD42E9F4-7DE3-B746-B1FE-192A544BEF48}" type="datetime1">
               <a:rPr lang="en-US" smtClean="0"/>
-              <a:t>2/1/23</a:t>
+              <a:t>2/9/23</a:t>
             </a:fld>
             <a:endParaRPr lang="en-US"/>
           </a:p>
@@ -3652,7 +3652,7 @@
           <a:p>
             <a:fld id="{845A3379-C538-544A-A9D1-640EB79FE5C7}" type="datetime1">
               <a:rPr lang="en-US" smtClean="0"/>
-              <a:t>2/1/23</a:t>
+              <a:t>2/9/23</a:t>
             </a:fld>
             <a:endParaRPr lang="en-US"/>
           </a:p>
@@ -3820,7 +3820,7 @@
           <a:p>
             <a:fld id="{5669ABA4-2197-7D41-AEF2-BD140F17A11F}" type="datetime1">
               <a:rPr lang="en-US" smtClean="0"/>
-              <a:t>2/1/23</a:t>
+              <a:t>2/9/23</a:t>
             </a:fld>
             <a:endParaRPr lang="en-US"/>
           </a:p>
@@ -4065,7 +4065,7 @@
           <a:p>
             <a:fld id="{5579C3C2-B0B3-964C-973A-E953F88F5679}" type="datetime1">
               <a:rPr lang="en-US" smtClean="0"/>
-              <a:t>2/1/23</a:t>
+              <a:t>2/9/23</a:t>
             </a:fld>
             <a:endParaRPr lang="en-US"/>
           </a:p>
@@ -4350,7 +4350,7 @@
           <a:p>
             <a:fld id="{6CC1E685-B844-B749-AC6C-8F4EE0F34DB8}" type="datetime1">
               <a:rPr lang="en-US" smtClean="0"/>
-              <a:t>2/1/23</a:t>
+              <a:t>2/9/23</a:t>
             </a:fld>
             <a:endParaRPr lang="en-US"/>
           </a:p>
@@ -4769,7 +4769,7 @@
           <a:p>
             <a:fld id="{7BA8CA4E-9F77-BA4C-B927-7C688D1260D8}" type="datetime1">
               <a:rPr lang="en-US" smtClean="0"/>
-              <a:t>2/1/23</a:t>
+              <a:t>2/9/23</a:t>
             </a:fld>
             <a:endParaRPr lang="en-US"/>
           </a:p>
@@ -4886,7 +4886,7 @@
           <a:p>
             <a:fld id="{A48E6C0C-4E93-104B-8392-781802BB7D1C}" type="datetime1">
               <a:rPr lang="en-US" smtClean="0"/>
-              <a:t>2/1/23</a:t>
+              <a:t>2/9/23</a:t>
             </a:fld>
             <a:endParaRPr lang="en-US"/>
           </a:p>
@@ -4981,7 +4981,7 @@
           <a:p>
             <a:fld id="{B63AE914-843C-0E41-9DA9-9B1ED48CF7DA}" type="datetime1">
               <a:rPr lang="en-US" smtClean="0"/>
-              <a:t>2/1/23</a:t>
+              <a:t>2/9/23</a:t>
             </a:fld>
             <a:endParaRPr lang="en-US"/>
           </a:p>
@@ -5256,7 +5256,7 @@
           <a:p>
             <a:fld id="{84DA3DA4-BEC6-0243-AA07-E0771E045B09}" type="datetime1">
               <a:rPr lang="en-US" smtClean="0"/>
-              <a:t>2/1/23</a:t>
+              <a:t>2/9/23</a:t>
             </a:fld>
             <a:endParaRPr lang="en-US"/>
           </a:p>
@@ -5508,7 +5508,7 @@
           <a:p>
             <a:fld id="{FDE217A0-9CD2-FD45-8591-8409027D94BD}" type="datetime1">
               <a:rPr lang="en-US" smtClean="0"/>
-              <a:t>2/1/23</a:t>
+              <a:t>2/9/23</a:t>
             </a:fld>
             <a:endParaRPr lang="en-US"/>
           </a:p>
@@ -5719,7 +5719,7 @@
           <a:p>
             <a:fld id="{A86DD059-C251-DB4C-8608-C5C083C94679}" type="datetime1">
               <a:rPr lang="en-US" smtClean="0"/>
-              <a:t>2/1/23</a:t>
+              <a:t>2/9/23</a:t>
             </a:fld>
             <a:endParaRPr lang="en-US"/>
           </a:p>
@@ -14141,7 +14141,7 @@
             </a:r>
             <a:r>
               <a:rPr lang="it-IT" dirty="0" err="1"/>
-              <a:t>dataurl</a:t>
+              <a:t>data.url</a:t>
             </a:r>
             <a:r>
               <a:rPr lang="it-IT" dirty="0"/>
